--- a/Capstone_project/Tokyo_analysis_slides.pptx
+++ b/Capstone_project/Tokyo_analysis_slides.pptx
@@ -1092,8 +1092,8 @@
         </p:nvSpPr>
         <p:spPr>
           <a:xfrm>
-            <a:off x="1143225" y="685800"/>
-            <a:ext cx="4572225" cy="3429000"/>
+            <a:off x="381000" y="685800"/>
+            <a:ext cx="6096000" cy="3429000"/>
           </a:xfrm>
           <a:custGeom>
             <a:avLst/>
@@ -22599,10 +22599,10 @@
               <a:buNone/>
             </a:pPr>
             <a:r>
-              <a:rPr lang="en-GB" sz="1000"/>
+              <a:rPr lang="en-GB" sz="1000" dirty="0"/>
               <a:t>Figure 1 - Tokyo ward analysis. The left plot corresponds to all wards within Tokyo regarding their density versus average price.  The right plot exhibits the top 10 wards with the highest density/average price ratio.</a:t>
             </a:r>
-            <a:endParaRPr sz="1000"/>
+            <a:endParaRPr sz="1000" dirty="0"/>
           </a:p>
         </p:txBody>
       </p:sp>
@@ -22703,8 +22703,8 @@
         </p:nvSpPr>
         <p:spPr>
           <a:xfrm>
-            <a:off x="590550" y="872725"/>
-            <a:ext cx="2306400" cy="2315700"/>
+            <a:off x="319963" y="872725"/>
+            <a:ext cx="2508998" cy="2315700"/>
           </a:xfrm>
           <a:prstGeom prst="rect">
             <a:avLst/>
@@ -22716,7 +22716,7 @@
         </p:spPr>
         <p:txBody>
           <a:bodyPr spcFirstLastPara="1" wrap="square" lIns="68575" tIns="34275" rIns="68575" bIns="34275" anchor="ctr" anchorCtr="0">
-            <a:normAutofit lnSpcReduction="10000"/>
+            <a:normAutofit/>
           </a:bodyPr>
           <a:lstStyle/>
           <a:p>
@@ -22731,11 +22731,11 @@
               <a:buNone/>
             </a:pPr>
             <a:r>
-              <a:rPr lang="en-GB" sz="1200"/>
+              <a:rPr lang="en-GB" sz="1200" dirty="0"/>
               <a:t>Each neighborhood exhibited a similar venue structure with only slight differences. Arakawa </a:t>
             </a:r>
             <a:r>
-              <a:rPr lang="en-GB" sz="1200">
+              <a:rPr lang="en-GB" sz="1200" dirty="0">
                 <a:solidFill>
                   <a:schemeClr val="accent1"/>
                 </a:solidFill>
@@ -22743,7 +22743,7 @@
               <a:t>(</a:t>
             </a:r>
             <a:r>
-              <a:rPr lang="en-GB" sz="1200" b="1">
+              <a:rPr lang="en-GB" sz="1200" b="1" dirty="0">
                 <a:solidFill>
                   <a:schemeClr val="accent1"/>
                 </a:solidFill>
@@ -22751,11 +22751,11 @@
               <a:t>green cluster)</a:t>
             </a:r>
             <a:r>
-              <a:rPr lang="en-GB" sz="1200"/>
+              <a:rPr lang="en-GB" sz="1200" dirty="0"/>
               <a:t> was mainly separated from the others due to a higher number of green areas (e.g. parks). </a:t>
             </a:r>
             <a:r>
-              <a:rPr lang="en-GB" sz="1200" b="1">
+              <a:rPr lang="en-GB" sz="1200" b="1" dirty="0">
                 <a:solidFill>
                   <a:schemeClr val="accent5"/>
                 </a:solidFill>
@@ -22763,7 +22763,7 @@
               <a:t>Red clusters</a:t>
             </a:r>
             <a:r>
-              <a:rPr lang="en-GB" sz="1200">
+              <a:rPr lang="en-GB" sz="1200" dirty="0">
                 <a:solidFill>
                   <a:schemeClr val="accent5"/>
                 </a:solidFill>
@@ -22771,11 +22771,11 @@
               <a:t> </a:t>
             </a:r>
             <a:r>
-              <a:rPr lang="en-GB" sz="1200"/>
+              <a:rPr lang="en-GB" sz="1200" dirty="0"/>
               <a:t>exhibited a higher number of train/tram stations than all the other neighborhoods. Lastly, </a:t>
             </a:r>
             <a:r>
-              <a:rPr lang="en-GB" sz="1200" b="1">
+              <a:rPr lang="en-GB" sz="1200" b="1" dirty="0">
                 <a:solidFill>
                   <a:schemeClr val="accent4"/>
                 </a:solidFill>
@@ -22783,7 +22783,7 @@
               <a:t>purple clusters</a:t>
             </a:r>
             <a:r>
-              <a:rPr lang="en-GB" sz="1200">
+              <a:rPr lang="en-GB" sz="1200" dirty="0">
                 <a:solidFill>
                   <a:srgbClr val="9900FF"/>
                 </a:solidFill>
@@ -22791,10 +22791,10 @@
               <a:t> </a:t>
             </a:r>
             <a:r>
-              <a:rPr lang="en-GB" sz="1200"/>
-              <a:t>seem to have been aggregated due to common restaurant types and other public services.</a:t>
+              <a:rPr lang="en-GB" sz="1200" dirty="0"/>
+              <a:t>seem to have been aggregated due to the presence of supermarkets.</a:t>
             </a:r>
-            <a:endParaRPr sz="1200"/>
+            <a:endParaRPr sz="1200" dirty="0"/>
           </a:p>
         </p:txBody>
       </p:sp>
@@ -22977,10 +22977,66 @@
               <a:buNone/>
             </a:pPr>
             <a:r>
-              <a:rPr lang="en-GB" sz="1000"/>
-              <a:t>Figure 2 - Arakawa ward choropleth. A total of 7 neighborhoods were clustered together with k = 3 using K-Means clustering algorithm based on their respective venue information. Cluster order/color: (1) Red - Higashiogu, Minamisenju and Nishiogu; (2) Purple - Higashinippori, Machiya and Nishinippori; (3) Green - Arakawa.  </a:t>
+              <a:rPr lang="en-GB" sz="1000" dirty="0"/>
+              <a:t>Figure 2 - Arakawa ward choropleth. A total of 7 neighborhoods were clustered together with k = 3 using K-Means clustering algorithm based on their respective venue information. Cluster order/</a:t>
             </a:r>
-            <a:endParaRPr sz="1000"/>
+            <a:r>
+              <a:rPr lang="en-GB" sz="1000" dirty="0" err="1"/>
+              <a:t>color</a:t>
+            </a:r>
+            <a:r>
+              <a:rPr lang="en-GB" sz="1000" dirty="0"/>
+              <a:t>: (1) Red - </a:t>
+            </a:r>
+            <a:r>
+              <a:rPr lang="en-GB" sz="1000" dirty="0" err="1"/>
+              <a:t>Higashiogu</a:t>
+            </a:r>
+            <a:r>
+              <a:rPr lang="en-GB" sz="1000" dirty="0"/>
+              <a:t>, </a:t>
+            </a:r>
+            <a:r>
+              <a:rPr lang="en-GB" sz="1000" dirty="0" err="1"/>
+              <a:t>Minamisenju</a:t>
+            </a:r>
+            <a:r>
+              <a:rPr lang="en-GB" sz="1000" dirty="0"/>
+              <a:t> and </a:t>
+            </a:r>
+            <a:r>
+              <a:rPr lang="en-GB" sz="1000" dirty="0" err="1"/>
+              <a:t>Nishiogu</a:t>
+            </a:r>
+            <a:r>
+              <a:rPr lang="en-GB" sz="1000" dirty="0"/>
+              <a:t>; (2) Purple - </a:t>
+            </a:r>
+            <a:r>
+              <a:rPr lang="en-GB" sz="1000" dirty="0" err="1"/>
+              <a:t>Higashinippori</a:t>
+            </a:r>
+            <a:r>
+              <a:rPr lang="en-GB" sz="1000" dirty="0"/>
+              <a:t>, </a:t>
+            </a:r>
+            <a:r>
+              <a:rPr lang="en-GB" sz="1000" dirty="0" err="1"/>
+              <a:t>Machiya</a:t>
+            </a:r>
+            <a:r>
+              <a:rPr lang="en-GB" sz="1000" dirty="0"/>
+              <a:t> and </a:t>
+            </a:r>
+            <a:r>
+              <a:rPr lang="en-GB" sz="1000" dirty="0" err="1"/>
+              <a:t>Nishinippori</a:t>
+            </a:r>
+            <a:r>
+              <a:rPr lang="en-GB" sz="1000" dirty="0"/>
+              <a:t>; (3) Green - Arakawa.  </a:t>
+            </a:r>
+            <a:endParaRPr sz="1000" dirty="0"/>
           </a:p>
         </p:txBody>
       </p:sp>
@@ -23060,7 +23116,7 @@
               <a:buNone/>
             </a:pPr>
             <a:r>
-              <a:rPr lang="en-GB" sz="1200">
+              <a:rPr lang="en-GB" sz="1200" dirty="0">
                 <a:solidFill>
                   <a:schemeClr val="lt1"/>
                 </a:solidFill>
@@ -23069,9 +23125,33 @@
                 <a:cs typeface="Calibri"/>
                 <a:sym typeface="Calibri"/>
               </a:rPr>
-              <a:t>Analysed each neighborhood’s potential direct competitors (left plot) and average price per land value (right plot).</a:t>
+              <a:t>Analysed each </a:t>
             </a:r>
-            <a:endParaRPr sz="1200">
+            <a:r>
+              <a:rPr lang="en-GB" sz="1200" dirty="0" err="1">
+                <a:solidFill>
+                  <a:schemeClr val="lt1"/>
+                </a:solidFill>
+                <a:latin typeface="Calibri"/>
+                <a:ea typeface="Calibri"/>
+                <a:cs typeface="Calibri"/>
+                <a:sym typeface="Calibri"/>
+              </a:rPr>
+              <a:t>neighborhood’s</a:t>
+            </a:r>
+            <a:r>
+              <a:rPr lang="en-GB" sz="1200" dirty="0">
+                <a:solidFill>
+                  <a:schemeClr val="lt1"/>
+                </a:solidFill>
+                <a:latin typeface="Calibri"/>
+                <a:ea typeface="Calibri"/>
+                <a:cs typeface="Calibri"/>
+                <a:sym typeface="Calibri"/>
+              </a:rPr>
+              <a:t> potential direct competitors (left plot) and average price per land value (right plot).</a:t>
+            </a:r>
+            <a:endParaRPr sz="1200" dirty="0">
               <a:solidFill>
                 <a:schemeClr val="lt1"/>
               </a:solidFill>
@@ -23091,7 +23171,7 @@
               </a:spcAft>
               <a:buNone/>
             </a:pPr>
-            <a:endParaRPr sz="1200">
+            <a:endParaRPr sz="1200" dirty="0">
               <a:solidFill>
                 <a:schemeClr val="lt1"/>
               </a:solidFill>
@@ -23117,7 +23197,7 @@
               <a:buNone/>
             </a:pPr>
             <a:r>
-              <a:rPr lang="en-GB" sz="1200">
+              <a:rPr lang="en-GB" sz="1200" dirty="0">
                 <a:solidFill>
                   <a:schemeClr val="lt1"/>
                 </a:solidFill>
@@ -23128,7 +23208,7 @@
               </a:rPr>
               <a:t>From this data, two assumptions were made:</a:t>
             </a:r>
-            <a:endParaRPr sz="1200">
+            <a:endParaRPr sz="1200" dirty="0">
               <a:solidFill>
                 <a:schemeClr val="lt1"/>
               </a:solidFill>
@@ -23154,7 +23234,7 @@
               <a:buAutoNum type="arabicPeriod"/>
             </a:pPr>
             <a:r>
-              <a:rPr lang="en-GB" sz="1200">
+              <a:rPr lang="en-GB" sz="1200" dirty="0" err="1">
                 <a:solidFill>
                   <a:schemeClr val="lt1"/>
                 </a:solidFill>
@@ -23163,9 +23243,21 @@
                 <a:cs typeface="Calibri"/>
                 <a:sym typeface="Calibri"/>
               </a:rPr>
-              <a:t>Higashinippori was excluded due to the high land price value (&gt; 800,000¥);</a:t>
+              <a:t>Higashinippori</a:t>
             </a:r>
-            <a:endParaRPr sz="1200">
+            <a:r>
+              <a:rPr lang="en-GB" sz="1200" dirty="0">
+                <a:solidFill>
+                  <a:schemeClr val="lt1"/>
+                </a:solidFill>
+                <a:latin typeface="Calibri"/>
+                <a:ea typeface="Calibri"/>
+                <a:cs typeface="Calibri"/>
+                <a:sym typeface="Calibri"/>
+              </a:rPr>
+              <a:t> was excluded due to the high land price value (&gt; 800,000¥);</a:t>
+            </a:r>
+            <a:endParaRPr sz="1200" dirty="0">
               <a:solidFill>
                 <a:schemeClr val="lt1"/>
               </a:solidFill>
@@ -23191,7 +23283,7 @@
               <a:buAutoNum type="arabicPeriod"/>
             </a:pPr>
             <a:r>
-              <a:rPr lang="en-GB" sz="1200">
+              <a:rPr lang="en-GB" sz="1200" dirty="0" err="1">
                 <a:solidFill>
                   <a:schemeClr val="lt1"/>
                 </a:solidFill>
@@ -23200,9 +23292,69 @@
                 <a:cs typeface="Calibri"/>
                 <a:sym typeface="Calibri"/>
               </a:rPr>
-              <a:t>Higashiogu, Nishinippori and Nishiogu were also excluded because similar businesses were already established (bakery, sandwich or pastry shop).</a:t>
+              <a:t>Higashiogu</a:t>
             </a:r>
-            <a:endParaRPr sz="1200">
+            <a:r>
+              <a:rPr lang="en-GB" sz="1200" dirty="0">
+                <a:solidFill>
+                  <a:schemeClr val="lt1"/>
+                </a:solidFill>
+                <a:latin typeface="Calibri"/>
+                <a:ea typeface="Calibri"/>
+                <a:cs typeface="Calibri"/>
+                <a:sym typeface="Calibri"/>
+              </a:rPr>
+              <a:t>, </a:t>
+            </a:r>
+            <a:r>
+              <a:rPr lang="en-GB" sz="1200" dirty="0" err="1">
+                <a:solidFill>
+                  <a:schemeClr val="lt1"/>
+                </a:solidFill>
+                <a:latin typeface="Calibri"/>
+                <a:ea typeface="Calibri"/>
+                <a:cs typeface="Calibri"/>
+                <a:sym typeface="Calibri"/>
+              </a:rPr>
+              <a:t>Nishinippori</a:t>
+            </a:r>
+            <a:r>
+              <a:rPr lang="en-GB" sz="1200" dirty="0">
+                <a:solidFill>
+                  <a:schemeClr val="lt1"/>
+                </a:solidFill>
+                <a:latin typeface="Calibri"/>
+                <a:ea typeface="Calibri"/>
+                <a:cs typeface="Calibri"/>
+                <a:sym typeface="Calibri"/>
+              </a:rPr>
+              <a:t> and </a:t>
+            </a:r>
+            <a:r>
+              <a:rPr lang="en-GB" sz="1200" dirty="0" err="1">
+                <a:solidFill>
+                  <a:schemeClr val="lt1"/>
+                </a:solidFill>
+                <a:latin typeface="Calibri"/>
+                <a:ea typeface="Calibri"/>
+                <a:cs typeface="Calibri"/>
+                <a:sym typeface="Calibri"/>
+              </a:rPr>
+              <a:t>Nishiogu</a:t>
+            </a:r>
+            <a:r>
+              <a:rPr lang="en-GB" sz="1200" dirty="0">
+                <a:solidFill>
+                  <a:schemeClr val="lt1"/>
+                </a:solidFill>
+                <a:latin typeface="Calibri"/>
+                <a:ea typeface="Calibri"/>
+                <a:cs typeface="Calibri"/>
+                <a:sym typeface="Calibri"/>
+              </a:rPr>
+              <a:t> were also excluded because similar businesses were already established (bakery, sandwich or pastry shop).</a:t>
+            </a:r>
+            <a:endParaRPr sz="1200" dirty="0">
               <a:solidFill>
                 <a:schemeClr val="lt1"/>
               </a:solidFill>
@@ -23228,7 +23380,7 @@
               <a:buNone/>
             </a:pPr>
             <a:r>
-              <a:rPr lang="en-GB" sz="1200">
+              <a:rPr lang="en-GB" sz="1200" dirty="0">
                 <a:solidFill>
                   <a:schemeClr val="lt1"/>
                 </a:solidFill>
@@ -23239,7 +23391,7 @@
               </a:rPr>
               <a:t>    </a:t>
             </a:r>
-            <a:endParaRPr sz="1200">
+            <a:endParaRPr sz="1200" dirty="0">
               <a:solidFill>
                 <a:schemeClr val="lt1"/>
               </a:solidFill>
@@ -23265,7 +23417,7 @@
               <a:buNone/>
             </a:pPr>
             <a:r>
-              <a:rPr lang="en-GB" sz="1200">
+              <a:rPr lang="en-GB" sz="1200" dirty="0">
                 <a:solidFill>
                   <a:schemeClr val="lt1"/>
                 </a:solidFill>
@@ -23277,7 +23429,7 @@
               <a:t>Therefore, potential neighborhoods to establish a new bakery should either be: </a:t>
             </a:r>
             <a:r>
-              <a:rPr lang="en-GB" sz="1200" b="1">
+              <a:rPr lang="en-GB" sz="1200" b="1" dirty="0">
                 <a:solidFill>
                   <a:schemeClr val="lt1"/>
                 </a:solidFill>
@@ -23289,7 +23441,7 @@
               <a:t>Arakawa</a:t>
             </a:r>
             <a:r>
-              <a:rPr lang="en-GB" sz="1200">
+              <a:rPr lang="en-GB" sz="1200" dirty="0">
                 <a:solidFill>
                   <a:schemeClr val="lt1"/>
                 </a:solidFill>
@@ -23301,7 +23453,7 @@
               <a:t>, </a:t>
             </a:r>
             <a:r>
-              <a:rPr lang="en-GB" sz="1200" b="1">
+              <a:rPr lang="en-GB" sz="1200" b="1" dirty="0" err="1">
                 <a:solidFill>
                   <a:schemeClr val="lt1"/>
                 </a:solidFill>
@@ -23313,7 +23465,7 @@
               <a:t>Machiya</a:t>
             </a:r>
             <a:r>
-              <a:rPr lang="en-GB" sz="1200">
+              <a:rPr lang="en-GB" sz="1200" dirty="0">
                 <a:solidFill>
                   <a:schemeClr val="lt1"/>
                 </a:solidFill>
@@ -23325,7 +23477,7 @@
               <a:t> or </a:t>
             </a:r>
             <a:r>
-              <a:rPr lang="en-GB" sz="1200" b="1">
+              <a:rPr lang="en-GB" sz="1200" b="1" dirty="0" err="1">
                 <a:solidFill>
                   <a:schemeClr val="lt1"/>
                 </a:solidFill>
@@ -23337,7 +23489,7 @@
               <a:t>Minaminseju</a:t>
             </a:r>
             <a:r>
-              <a:rPr lang="en-GB" sz="1200">
+              <a:rPr lang="en-GB" sz="1200" dirty="0">
                 <a:solidFill>
                   <a:schemeClr val="lt1"/>
                 </a:solidFill>
@@ -23348,7 +23500,7 @@
               </a:rPr>
               <a:t> since they would have very similar land cost values and no established direct competition at present.</a:t>
             </a:r>
-            <a:endParaRPr sz="1200">
+            <a:endParaRPr sz="1200" dirty="0">
               <a:solidFill>
                 <a:schemeClr val="lt1"/>
               </a:solidFill>
@@ -23368,7 +23520,7 @@
               </a:spcAft>
               <a:buNone/>
             </a:pPr>
-            <a:endParaRPr sz="1200">
+            <a:endParaRPr sz="1200" dirty="0">
               <a:latin typeface="Calibri"/>
               <a:ea typeface="Calibri"/>
               <a:cs typeface="Calibri"/>
@@ -23472,10 +23624,10 @@
               <a:buNone/>
             </a:pPr>
             <a:r>
-              <a:rPr lang="en-GB" sz="1000"/>
+              <a:rPr lang="en-GB" sz="1000" dirty="0"/>
               <a:t>Figure 3 - Neighborhood analysis. The left bar plot shows the potential direct competitors for a new bakery. The right bar plot displays the average land price for each neighborhood in Japanese Yen ¥ per square mile.</a:t>
             </a:r>
-            <a:endParaRPr sz="1000"/>
+            <a:endParaRPr sz="1000" dirty="0"/>
           </a:p>
         </p:txBody>
       </p:sp>
@@ -24045,15 +24197,7 @@
             </a:pPr>
             <a:r>
               <a:rPr lang="en-GB" sz="1200" dirty="0"/>
-              <a:t>Through this analysis, I have used public data to narrow the number of options down to the </a:t>
-            </a:r>
-            <a:r>
-              <a:rPr lang="en-GB" sz="1200" dirty="0" err="1"/>
-              <a:t>neighborhood</a:t>
-            </a:r>
-            <a:r>
-              <a:rPr lang="en-GB" sz="1200" dirty="0"/>
-              <a:t> area. I am aware that some assumptions made about the chosen "bakery" study case may need to be re-adapted for other businesses that could have different priorities.</a:t>
+              <a:t>Through this analysis, I have used public data to narrow the number of options down to the neighborhood area. I am aware that some assumptions made about the chosen "bakery" study case may need to be re-adapted for other businesses that could have different priorities.</a:t>
             </a:r>
             <a:endParaRPr sz="1200" dirty="0"/>
           </a:p>
@@ -24100,11 +24244,7 @@
             </a:pPr>
             <a:r>
               <a:rPr lang="en-GB" sz="1200" b="1" dirty="0"/>
-              <a:t>Commuting numbers in/out of each </a:t>
-            </a:r>
-            <a:r>
-              <a:rPr lang="en-GB" sz="1200" b="1" dirty="0" err="1"/>
-              <a:t>neighborhood</a:t>
+              <a:t>Commuting numbers in/out of each neighborhood</a:t>
             </a:r>
             <a:r>
               <a:rPr lang="en-GB" sz="1200" dirty="0"/>
@@ -24138,15 +24278,7 @@
             </a:pPr>
             <a:r>
               <a:rPr lang="en-GB" sz="1200" b="1" dirty="0"/>
-              <a:t>The average age population within each </a:t>
-            </a:r>
-            <a:r>
-              <a:rPr lang="en-GB" sz="1200" b="1" dirty="0" err="1"/>
-              <a:t>neighborhood</a:t>
-            </a:r>
-            <a:r>
-              <a:rPr lang="en-GB" sz="1200" b="1" dirty="0"/>
-              <a:t>:</a:t>
+              <a:t>The average age population within each neighborhood:</a:t>
             </a:r>
             <a:r>
               <a:rPr lang="en-GB" sz="1200" dirty="0"/>
@@ -24342,7 +24474,7 @@
               <a:buNone/>
             </a:pPr>
             <a:r>
-              <a:rPr lang="en-GB" sz="1100" cap="none">
+              <a:rPr lang="en-GB" sz="1100" cap="none" dirty="0">
                 <a:solidFill>
                   <a:schemeClr val="lt1"/>
                 </a:solidFill>
@@ -24354,7 +24486,7 @@
               <a:t>[1] Tokyo Information -&gt; </a:t>
             </a:r>
             <a:r>
-              <a:rPr lang="en-GB" sz="1100" u="sng" cap="none">
+              <a:rPr lang="en-GB" sz="1100" u="sng" cap="none" dirty="0">
                 <a:solidFill>
                   <a:schemeClr val="hlink"/>
                 </a:solidFill>
@@ -24367,7 +24499,7 @@
               <a:t>https://en.wikipedia.org/wiki/Tokyo</a:t>
             </a:r>
             <a:r>
-              <a:rPr lang="en-GB" sz="1100" cap="none">
+              <a:rPr lang="en-GB" sz="1100" cap="none" dirty="0">
                 <a:solidFill>
                   <a:schemeClr val="lt1"/>
                 </a:solidFill>
@@ -24379,7 +24511,7 @@
               <a:t> </a:t>
             </a:r>
             <a:br>
-              <a:rPr lang="en-GB" sz="1100" cap="none">
+              <a:rPr lang="en-GB" sz="1100" cap="none" dirty="0">
                 <a:solidFill>
                   <a:schemeClr val="lt1"/>
                 </a:solidFill>
@@ -24390,7 +24522,7 @@
               </a:rPr>
             </a:br>
             <a:r>
-              <a:rPr lang="en-GB" sz="1100" cap="none">
+              <a:rPr lang="en-GB" sz="1100" cap="none" dirty="0">
                 <a:solidFill>
                   <a:schemeClr val="lt1"/>
                 </a:solidFill>
@@ -24402,7 +24534,7 @@
               <a:t>[2] Tokyo density numbers -&gt; </a:t>
             </a:r>
             <a:r>
-              <a:rPr lang="en-GB" sz="1100" u="sng" cap="none">
+              <a:rPr lang="en-GB" sz="1100" u="sng" cap="none" dirty="0">
                 <a:solidFill>
                   <a:schemeClr val="hlink"/>
                 </a:solidFill>
@@ -24415,7 +24547,7 @@
               <a:t>https://www.metro.tokyo.lg.jp/tosei/hodohappyo/press/2021/01/28/01.html</a:t>
             </a:r>
             <a:r>
-              <a:rPr lang="en-GB" sz="1100" cap="none">
+              <a:rPr lang="en-GB" sz="1100" cap="none" dirty="0">
                 <a:solidFill>
                   <a:schemeClr val="lt1"/>
                 </a:solidFill>
@@ -24427,7 +24559,7 @@
               <a:t> </a:t>
             </a:r>
             <a:br>
-              <a:rPr lang="en-GB" sz="1100" cap="none">
+              <a:rPr lang="en-GB" sz="1100" cap="none" dirty="0">
                 <a:solidFill>
                   <a:schemeClr val="lt1"/>
                 </a:solidFill>
@@ -24438,7 +24570,7 @@
               </a:rPr>
             </a:br>
             <a:r>
-              <a:rPr lang="en-GB" sz="1100" cap="none">
+              <a:rPr lang="en-GB" sz="1100" cap="none" dirty="0">
                 <a:solidFill>
                   <a:schemeClr val="lt1"/>
                 </a:solidFill>
@@ -24450,7 +24582,7 @@
               <a:t>[3] Tokyo Ward list -&gt; </a:t>
             </a:r>
             <a:r>
-              <a:rPr lang="en-GB" sz="1100" u="sng" cap="none">
+              <a:rPr lang="en-GB" sz="1100" u="sng" cap="none" dirty="0">
                 <a:solidFill>
                   <a:schemeClr val="hlink"/>
                 </a:solidFill>
@@ -24463,7 +24595,7 @@
               <a:t>https://en.wikipedia.org/wiki/Special_wards_of_Tokyo#List_of_special_wards</a:t>
             </a:r>
             <a:r>
-              <a:rPr lang="en-GB" sz="1100" cap="none">
+              <a:rPr lang="en-GB" sz="1100" cap="none" dirty="0">
                 <a:solidFill>
                   <a:schemeClr val="lt1"/>
                 </a:solidFill>
@@ -24475,7 +24607,7 @@
               <a:t> </a:t>
             </a:r>
             <a:br>
-              <a:rPr lang="en-GB" sz="1100" cap="none">
+              <a:rPr lang="en-GB" sz="1100" cap="none" dirty="0">
                 <a:solidFill>
                   <a:schemeClr val="lt1"/>
                 </a:solidFill>
@@ -24486,7 +24618,7 @@
               </a:rPr>
             </a:br>
             <a:r>
-              <a:rPr lang="en-GB" sz="1100" cap="none">
+              <a:rPr lang="en-GB" sz="1100" cap="none" dirty="0">
                 <a:solidFill>
                   <a:schemeClr val="lt1"/>
                 </a:solidFill>
@@ -24498,7 +24630,7 @@
               <a:t>[4] Market value for land in Tokyo -&gt; </a:t>
             </a:r>
             <a:r>
-              <a:rPr lang="en-GB" sz="1100" u="sng" cap="none">
+              <a:rPr lang="en-GB" sz="1100" u="sng" cap="none" dirty="0">
                 <a:solidFill>
                   <a:schemeClr val="hlink"/>
                 </a:solidFill>
@@ -24511,7 +24643,7 @@
               <a:t>https://utinokati.com/en/details/land-market-value/area/Tokyo/</a:t>
             </a:r>
             <a:r>
-              <a:rPr lang="en-GB" sz="1100" cap="none">
+              <a:rPr lang="en-GB" sz="1100" cap="none" dirty="0">
                 <a:solidFill>
                   <a:schemeClr val="lt1"/>
                 </a:solidFill>
@@ -24523,7 +24655,7 @@
               <a:t> </a:t>
             </a:r>
             <a:br>
-              <a:rPr lang="en-GB" sz="1100" cap="none">
+              <a:rPr lang="en-GB" sz="1100" cap="none" dirty="0">
                 <a:solidFill>
                   <a:schemeClr val="lt1"/>
                 </a:solidFill>
@@ -24534,7 +24666,7 @@
               </a:rPr>
             </a:br>
             <a:r>
-              <a:rPr lang="en-GB" sz="1100" cap="none">
+              <a:rPr lang="en-GB" sz="1100" cap="none" dirty="0">
                 <a:solidFill>
                   <a:schemeClr val="lt1"/>
                 </a:solidFill>
@@ -24546,7 +24678,7 @@
               <a:t>[5] Japan Postcode finder -&gt; </a:t>
             </a:r>
             <a:r>
-              <a:rPr lang="en-GB" sz="1100" u="sng" cap="none">
+              <a:rPr lang="en-GB" sz="1100" u="sng" cap="none" dirty="0">
                 <a:solidFill>
                   <a:schemeClr val="hlink"/>
                 </a:solidFill>
@@ -24559,7 +24691,7 @@
               <a:t>https://japan-postcode.810popo.net/tokyoto/</a:t>
             </a:r>
             <a:r>
-              <a:rPr lang="en-GB" sz="1100" cap="none">
+              <a:rPr lang="en-GB" sz="1100" cap="none" dirty="0">
                 <a:solidFill>
                   <a:schemeClr val="lt1"/>
                 </a:solidFill>
@@ -24571,7 +24703,7 @@
               <a:t> </a:t>
             </a:r>
             <a:br>
-              <a:rPr lang="en-GB" sz="1100" cap="none">
+              <a:rPr lang="en-GB" sz="1100" cap="none" dirty="0">
                 <a:solidFill>
                   <a:schemeClr val="lt1"/>
                 </a:solidFill>
@@ -24582,7 +24714,7 @@
               </a:rPr>
             </a:br>
             <a:r>
-              <a:rPr lang="en-GB" sz="1100" cap="none">
+              <a:rPr lang="en-GB" sz="1100" cap="none" dirty="0">
                 <a:solidFill>
                   <a:schemeClr val="lt1"/>
                 </a:solidFill>
@@ -24594,7 +24726,7 @@
               <a:t>[6] Geocoder -&gt; </a:t>
             </a:r>
             <a:r>
-              <a:rPr lang="en-GB" sz="1100" u="sng" cap="none">
+              <a:rPr lang="en-GB" sz="1100" u="sng" cap="none" dirty="0">
                 <a:solidFill>
                   <a:schemeClr val="hlink"/>
                 </a:solidFill>
@@ -24607,7 +24739,7 @@
               <a:t>https://geocoder.readthedocs.io/</a:t>
             </a:r>
             <a:r>
-              <a:rPr lang="en-GB" sz="1100" cap="none">
+              <a:rPr lang="en-GB" sz="1100" cap="none" dirty="0">
                 <a:solidFill>
                   <a:schemeClr val="lt1"/>
                 </a:solidFill>
@@ -24619,7 +24751,7 @@
               <a:t> </a:t>
             </a:r>
             <a:br>
-              <a:rPr lang="en-GB" sz="1100" cap="none">
+              <a:rPr lang="en-GB" sz="1100" cap="none" dirty="0">
                 <a:solidFill>
                   <a:schemeClr val="lt1"/>
                 </a:solidFill>
@@ -24630,7 +24762,7 @@
               </a:rPr>
             </a:br>
             <a:r>
-              <a:rPr lang="en-GB" sz="1100" cap="none">
+              <a:rPr lang="en-GB" sz="1100" cap="none" dirty="0">
                 <a:solidFill>
                   <a:schemeClr val="lt1"/>
                 </a:solidFill>
@@ -24642,7 +24774,7 @@
               <a:t>[7] Foursquare -&gt; </a:t>
             </a:r>
             <a:r>
-              <a:rPr lang="en-GB" sz="1100" u="sng" cap="none">
+              <a:rPr lang="en-GB" sz="1100" u="sng" cap="none" dirty="0">
                 <a:solidFill>
                   <a:schemeClr val="hlink"/>
                 </a:solidFill>
@@ -24655,7 +24787,7 @@
               <a:t>https://foursquare.com/</a:t>
             </a:r>
             <a:r>
-              <a:rPr lang="en-GB" sz="1100" cap="none">
+              <a:rPr lang="en-GB" sz="1100" cap="none" dirty="0">
                 <a:solidFill>
                   <a:schemeClr val="lt1"/>
                 </a:solidFill>
@@ -24667,7 +24799,7 @@
               <a:t> </a:t>
             </a:r>
             <a:br>
-              <a:rPr lang="en-GB" sz="1100" cap="none">
+              <a:rPr lang="en-GB" sz="1100" cap="none" dirty="0">
                 <a:solidFill>
                   <a:schemeClr val="lt1"/>
                 </a:solidFill>
@@ -24678,7 +24810,7 @@
               </a:rPr>
             </a:br>
             <a:r>
-              <a:rPr lang="en-GB" sz="1100" cap="none">
+              <a:rPr lang="en-GB" sz="1100" cap="none" dirty="0">
                 <a:solidFill>
                   <a:schemeClr val="lt1"/>
                 </a:solidFill>
@@ -24690,7 +24822,7 @@
               <a:t>[8] Google Maps -&gt; </a:t>
             </a:r>
             <a:r>
-              <a:rPr lang="en-GB" sz="1100" u="sng" cap="none">
+              <a:rPr lang="en-GB" sz="1100" u="sng" cap="none" dirty="0">
                 <a:solidFill>
                   <a:schemeClr val="hlink"/>
                 </a:solidFill>
@@ -24703,7 +24835,7 @@
               <a:t>https://www.google.com/maps</a:t>
             </a:r>
             <a:r>
-              <a:rPr lang="en-GB" sz="1100" cap="none">
+              <a:rPr lang="en-GB" sz="1100" cap="none" dirty="0">
                 <a:solidFill>
                   <a:schemeClr val="lt1"/>
                 </a:solidFill>
@@ -24715,7 +24847,7 @@
               <a:t> (To obtain coordinates for each neighborhood as an alternative) </a:t>
             </a:r>
             <a:br>
-              <a:rPr lang="en-GB" sz="1100" cap="none">
+              <a:rPr lang="en-GB" sz="1100" cap="none" dirty="0">
                 <a:solidFill>
                   <a:schemeClr val="lt1"/>
                 </a:solidFill>
@@ -24726,7 +24858,7 @@
               </a:rPr>
             </a:br>
             <a:r>
-              <a:rPr lang="en-GB" sz="1100" cap="none">
+              <a:rPr lang="en-GB" sz="1100" cap="none" dirty="0">
                 <a:solidFill>
                   <a:schemeClr val="lt1"/>
                 </a:solidFill>
@@ -24735,10 +24867,34 @@
                 <a:cs typeface="Calibri"/>
                 <a:sym typeface="Calibri"/>
               </a:rPr>
-              <a:t>[9] Geojson file creator -&gt; </a:t>
+              <a:t>[9] </a:t>
             </a:r>
             <a:r>
-              <a:rPr lang="en-GB" sz="1100" u="sng" cap="none">
+              <a:rPr lang="en-GB" sz="1100" cap="none" dirty="0" err="1">
+                <a:solidFill>
+                  <a:schemeClr val="lt1"/>
+                </a:solidFill>
+                <a:latin typeface="Calibri"/>
+                <a:ea typeface="Calibri"/>
+                <a:cs typeface="Calibri"/>
+                <a:sym typeface="Calibri"/>
+              </a:rPr>
+              <a:t>Geojson</a:t>
+            </a:r>
+            <a:r>
+              <a:rPr lang="en-GB" sz="1100" cap="none" dirty="0">
+                <a:solidFill>
+                  <a:schemeClr val="lt1"/>
+                </a:solidFill>
+                <a:latin typeface="Calibri"/>
+                <a:ea typeface="Calibri"/>
+                <a:cs typeface="Calibri"/>
+                <a:sym typeface="Calibri"/>
+              </a:rPr>
+              <a:t> file creator -&gt; </a:t>
+            </a:r>
+            <a:r>
+              <a:rPr lang="en-GB" sz="1100" u="sng" cap="none" dirty="0">
                 <a:solidFill>
                   <a:schemeClr val="hlink"/>
                 </a:solidFill>
@@ -24751,7 +24907,7 @@
               <a:t>https://geojson.io/#map=20/35.75063/139.74093</a:t>
             </a:r>
             <a:r>
-              <a:rPr lang="en-GB" sz="1100" cap="none">
+              <a:rPr lang="en-GB" sz="1100" cap="none" dirty="0">
                 <a:solidFill>
                   <a:schemeClr val="lt1"/>
                 </a:solidFill>
@@ -24762,7 +24918,7 @@
               </a:rPr>
               <a:t> (To create my own Choropleth) </a:t>
             </a:r>
-            <a:endParaRPr sz="1100"/>
+            <a:endParaRPr sz="1100" dirty="0"/>
           </a:p>
           <a:p>
             <a:pPr marL="0" marR="0" lvl="0" indent="0" algn="l" rtl="0">
@@ -24775,7 +24931,7 @@
               <a:buNone/>
             </a:pPr>
             <a:r>
-              <a:rPr lang="en-GB" sz="1100" cap="none">
+              <a:rPr lang="en-GB" sz="1100" cap="none" dirty="0">
                 <a:solidFill>
                   <a:schemeClr val="lt1"/>
                 </a:solidFill>
@@ -24786,7 +24942,7 @@
               </a:rPr>
               <a:t>[1-5] - Accessed on the 13/06/2021.</a:t>
             </a:r>
-            <a:endParaRPr sz="1100"/>
+            <a:endParaRPr sz="1100" dirty="0"/>
           </a:p>
         </p:txBody>
       </p:sp>
